--- a/presentation/CSA_VaibhavPatil_030922.pptx
+++ b/presentation/CSA_VaibhavPatil_030922.pptx
@@ -295,7 +295,7 @@
               <a:pPr>
                 <a:defRPr/>
               </a:pPr>
-              <a:t>3/6/2022</a:t>
+              <a:t>3/8/2022</a:t>
             </a:fld>
             <a:endParaRPr lang="en-US"/>
           </a:p>
@@ -518,7 +518,7 @@
               <a:pPr>
                 <a:defRPr/>
               </a:pPr>
-              <a:t>3/6/2022</a:t>
+              <a:t>3/8/2022</a:t>
             </a:fld>
             <a:endParaRPr lang="en-US"/>
           </a:p>
@@ -2287,14 +2287,14 @@
           </a:ln>
           <a:extLst>
             <a:ext uri="{909E8E84-426E-40dd-AFC4-6F175D3DCCD1}">
-              <a14:hiddenFill xmlns:a14="http://schemas.microsoft.com/office/drawing/2010/main" xmlns="">
+              <a14:hiddenFill xmlns="" xmlns:a14="http://schemas.microsoft.com/office/drawing/2010/main">
                 <a:solidFill>
                   <a:srgbClr val="FFFFFF"/>
                 </a:solidFill>
               </a14:hiddenFill>
             </a:ext>
             <a:ext uri="{91240B29-F687-4f45-9708-019B960494DF}">
-              <a14:hiddenLine xmlns:a14="http://schemas.microsoft.com/office/drawing/2010/main" xmlns="" w="9525">
+              <a14:hiddenLine xmlns="" xmlns:a14="http://schemas.microsoft.com/office/drawing/2010/main" w="9525">
                 <a:solidFill>
                   <a:srgbClr val="000000"/>
                 </a:solidFill>
@@ -2304,7 +2304,7 @@
               </a14:hiddenLine>
             </a:ext>
             <a:ext uri="{FAA26D3D-D897-4be2-8F04-BA451C77F1D7}">
-              <ma14:placeholderFlag xmlns:ma14="http://schemas.microsoft.com/office/mac/drawingml/2011/main" xmlns="" val="1"/>
+              <ma14:placeholderFlag xmlns="" xmlns:ma14="http://schemas.microsoft.com/office/mac/drawingml/2011/main" val="1"/>
             </a:ext>
           </a:extLst>
         </p:spPr>
@@ -2349,14 +2349,14 @@
           </a:ln>
           <a:extLst>
             <a:ext uri="{909E8E84-426E-40dd-AFC4-6F175D3DCCD1}">
-              <a14:hiddenFill xmlns:a14="http://schemas.microsoft.com/office/drawing/2010/main" xmlns="">
+              <a14:hiddenFill xmlns="" xmlns:a14="http://schemas.microsoft.com/office/drawing/2010/main">
                 <a:solidFill>
                   <a:srgbClr val="FFFFFF"/>
                 </a:solidFill>
               </a14:hiddenFill>
             </a:ext>
             <a:ext uri="{91240B29-F687-4f45-9708-019B960494DF}">
-              <a14:hiddenLine xmlns:a14="http://schemas.microsoft.com/office/drawing/2010/main" xmlns="" w="9525">
+              <a14:hiddenLine xmlns="" xmlns:a14="http://schemas.microsoft.com/office/drawing/2010/main" w="9525">
                 <a:solidFill>
                   <a:srgbClr val="000000"/>
                 </a:solidFill>
@@ -2366,7 +2366,7 @@
               </a14:hiddenLine>
             </a:ext>
             <a:ext uri="{FAA26D3D-D897-4be2-8F04-BA451C77F1D7}">
-              <ma14:placeholderFlag xmlns:ma14="http://schemas.microsoft.com/office/mac/drawingml/2011/main" xmlns="" val="1"/>
+              <ma14:placeholderFlag xmlns="" xmlns:ma14="http://schemas.microsoft.com/office/mac/drawingml/2011/main" val="1"/>
             </a:ext>
           </a:extLst>
         </p:spPr>
@@ -4362,17 +4362,49 @@
           <a:p>
             <a:r>
               <a:rPr lang="en-US" sz="1800" dirty="0"/>
-              <a:t>Open source enthusiast &amp; Senior Software Engineer Zack Koppert has come up with a solution for this very scenario</a:t>
-            </a:r>
-          </a:p>
-          <a:p>
+              <a:t>Open source enthusiast &amp; Senior Software Engineer Zack Koppert has come up with a solution for this very scenario </a:t>
+            </a:r>
+            <a:r>
+              <a:rPr lang="en-US" sz="1800" dirty="0">
+                <a:sym typeface="Wingdings" panose="05000000000000000000" pitchFamily="2" charset="2"/>
+              </a:rPr>
+              <a:t> </a:t>
+            </a:r>
+            <a:r>
+              <a:rPr lang="en-US" sz="1800" dirty="0">
+                <a:hlinkClick r:id="rId3"/>
+              </a:rPr>
+              <a:t>https://github.com/zkoppert/Auto-branch-protect</a:t>
+            </a:r>
             <a:endParaRPr lang="en-US" sz="1800" dirty="0"/>
           </a:p>
           <a:p>
+            <a:endParaRPr lang="en-US" sz="1800" dirty="0"/>
+          </a:p>
+          <a:p>
             <a:r>
               <a:rPr lang="en-US" sz="1800" dirty="0"/>
-              <a:t>https://github.com/zkoppert/Auto-branch-protect</a:t>
-            </a:r>
+              <a:t>Here is the repository with proposed solution forked from Zack’s tool </a:t>
+            </a:r>
+            <a:r>
+              <a:rPr lang="en-US" sz="1800" dirty="0">
+                <a:sym typeface="Wingdings" panose="05000000000000000000" pitchFamily="2" charset="2"/>
+              </a:rPr>
+              <a:t> </a:t>
+            </a:r>
+            <a:r>
+              <a:rPr lang="en-US" sz="1800" dirty="0">
+                <a:sym typeface="Wingdings" panose="05000000000000000000" pitchFamily="2" charset="2"/>
+                <a:hlinkClick r:id="rId4"/>
+              </a:rPr>
+              <a:t>https://github.com/learnazcloud/Auto-branch-protect</a:t>
+            </a:r>
+            <a:endParaRPr lang="en-US" sz="1800" dirty="0">
+              <a:sym typeface="Wingdings" panose="05000000000000000000" pitchFamily="2" charset="2"/>
+            </a:endParaRPr>
+          </a:p>
+          <a:p>
+            <a:endParaRPr lang="en-US" sz="1800" dirty="0"/>
           </a:p>
         </p:txBody>
       </p:sp>
@@ -4426,13 +4458,13 @@
           <p:nvPr/>
         </p:nvPicPr>
         <p:blipFill rotWithShape="1">
-          <a:blip r:embed="rId3"/>
+          <a:blip r:embed="rId5"/>
           <a:srcRect l="9977" t="23976" r="32592" b="47645"/>
           <a:stretch/>
         </p:blipFill>
         <p:spPr>
           <a:xfrm>
-            <a:off x="419449" y="2455087"/>
+            <a:off x="367174" y="2411025"/>
             <a:ext cx="8118705" cy="2256638"/>
           </a:xfrm>
           <a:prstGeom prst="rect">
@@ -9070,6 +9102,21 @@
 </file>
 
 <file path=customXml/item1.xml><?xml version="1.0" encoding="utf-8"?>
+<p:properties xmlns:p="http://schemas.microsoft.com/office/2006/metadata/properties" xmlns:xsi="http://www.w3.org/2001/XMLSchema-instance">
+  <documentManagement/>
+</p:properties>
+</file>
+
+<file path=customXml/item2.xml><?xml version="1.0" encoding="utf-8"?>
+<?mso-contentType ?>
+<FormTemplates xmlns="http://schemas.microsoft.com/sharepoint/v3/contenttype/forms">
+  <Display>DocumentLibraryForm</Display>
+  <Edit>DocumentLibraryForm</Edit>
+  <New>DocumentLibraryForm</New>
+</FormTemplates>
+</file>
+
+<file path=customXml/item3.xml><?xml version="1.0" encoding="utf-8"?>
 <ct:contentTypeSchema xmlns:ct="http://schemas.microsoft.com/office/2006/metadata/contentType" xmlns:ma="http://schemas.microsoft.com/office/2006/metadata/properties/metaAttributes" ct:_="" ma:_="" ma:contentTypeName="Document" ma:contentTypeID="0x01010036E6D73E049B014D8673F99E13EC3791" ma:contentTypeVersion="0" ma:contentTypeDescription="Create a new document." ma:contentTypeScope="" ma:versionID="577b3ab9b362cd73cbf76297187ccc12">
   <xsd:schema xmlns:xsd="http://www.w3.org/2001/XMLSchema" xmlns:xs="http://www.w3.org/2001/XMLSchema" xmlns:p="http://schemas.microsoft.com/office/2006/metadata/properties" targetNamespace="http://schemas.microsoft.com/office/2006/metadata/properties" ma:root="true" ma:fieldsID="c64490b4aec6201516c3a874156f37b2">
     <xsd:element name="properties">
@@ -9183,22 +9230,30 @@
 </ct:contentTypeSchema>
 </file>
 
-<file path=customXml/item2.xml><?xml version="1.0" encoding="utf-8"?>
-<?mso-contentType ?>
-<FormTemplates xmlns="http://schemas.microsoft.com/sharepoint/v3/contenttype/forms">
-  <Display>DocumentLibraryForm</Display>
-  <Edit>DocumentLibraryForm</Edit>
-  <New>DocumentLibraryForm</New>
-</FormTemplates>
+<file path=customXml/itemProps1.xml><?xml version="1.0" encoding="utf-8"?>
+<ds:datastoreItem xmlns:ds="http://schemas.openxmlformats.org/officeDocument/2006/customXml" ds:itemID="{0331D2D5-63BD-451F-AAC0-E126131C7E36}">
+  <ds:schemaRefs>
+    <ds:schemaRef ds:uri="http://purl.org/dc/terms/"/>
+    <ds:schemaRef ds:uri="http://schemas.openxmlformats.org/package/2006/metadata/core-properties"/>
+    <ds:schemaRef ds:uri="http://schemas.microsoft.com/office/2006/documentManagement/types"/>
+    <ds:schemaRef ds:uri="http://schemas.microsoft.com/office/infopath/2007/PartnerControls"/>
+    <ds:schemaRef ds:uri="http://purl.org/dc/elements/1.1/"/>
+    <ds:schemaRef ds:uri="http://schemas.microsoft.com/office/2006/metadata/properties"/>
+    <ds:schemaRef ds:uri="http://www.w3.org/XML/1998/namespace"/>
+    <ds:schemaRef ds:uri="http://purl.org/dc/dcmitype/"/>
+  </ds:schemaRefs>
+</ds:datastoreItem>
 </file>
 
-<file path=customXml/item3.xml><?xml version="1.0" encoding="utf-8"?>
-<p:properties xmlns:p="http://schemas.microsoft.com/office/2006/metadata/properties" xmlns:xsi="http://www.w3.org/2001/XMLSchema-instance">
-  <documentManagement/>
-</p:properties>
+<file path=customXml/itemProps2.xml><?xml version="1.0" encoding="utf-8"?>
+<ds:datastoreItem xmlns:ds="http://schemas.openxmlformats.org/officeDocument/2006/customXml" ds:itemID="{6923E243-0D05-4559-B2B5-CD50BE5EFD62}">
+  <ds:schemaRefs>
+    <ds:schemaRef ds:uri="http://schemas.microsoft.com/sharepoint/v3/contenttype/forms"/>
+  </ds:schemaRefs>
+</ds:datastoreItem>
 </file>
 
-<file path=customXml/itemProps1.xml><?xml version="1.0" encoding="utf-8"?>
+<file path=customXml/itemProps3.xml><?xml version="1.0" encoding="utf-8"?>
 <ds:datastoreItem xmlns:ds="http://schemas.openxmlformats.org/officeDocument/2006/customXml" ds:itemID="{E72F79E4-3334-4B63-9121-2E87CCBA5AA7}">
   <ds:schemaRefs>
     <ds:schemaRef ds:uri="http://schemas.microsoft.com/office/2006/metadata/contentType"/>
@@ -9212,27 +9267,4 @@
     <ds:schemaRef ds:uri="http://schemas.microsoft.com/office/infopath/2007/PartnerControls"/>
   </ds:schemaRefs>
 </ds:datastoreItem>
-</file>
-
-<file path=customXml/itemProps2.xml><?xml version="1.0" encoding="utf-8"?>
-<ds:datastoreItem xmlns:ds="http://schemas.openxmlformats.org/officeDocument/2006/customXml" ds:itemID="{6923E243-0D05-4559-B2B5-CD50BE5EFD62}">
-  <ds:schemaRefs>
-    <ds:schemaRef ds:uri="http://schemas.microsoft.com/sharepoint/v3/contenttype/forms"/>
-  </ds:schemaRefs>
-</ds:datastoreItem>
-</file>
-
-<file path=customXml/itemProps3.xml><?xml version="1.0" encoding="utf-8"?>
-<ds:datastoreItem xmlns:ds="http://schemas.openxmlformats.org/officeDocument/2006/customXml" ds:itemID="{0331D2D5-63BD-451F-AAC0-E126131C7E36}">
-  <ds:schemaRefs>
-    <ds:schemaRef ds:uri="http://purl.org/dc/terms/"/>
-    <ds:schemaRef ds:uri="http://schemas.openxmlformats.org/package/2006/metadata/core-properties"/>
-    <ds:schemaRef ds:uri="http://schemas.microsoft.com/office/2006/documentManagement/types"/>
-    <ds:schemaRef ds:uri="http://schemas.microsoft.com/office/infopath/2007/PartnerControls"/>
-    <ds:schemaRef ds:uri="http://purl.org/dc/elements/1.1/"/>
-    <ds:schemaRef ds:uri="http://schemas.microsoft.com/office/2006/metadata/properties"/>
-    <ds:schemaRef ds:uri="http://www.w3.org/XML/1998/namespace"/>
-    <ds:schemaRef ds:uri="http://purl.org/dc/dcmitype/"/>
-  </ds:schemaRefs>
-</ds:datastoreItem>
 </file>
--- a/presentation/CSA_VaibhavPatil_030922.pptx
+++ b/presentation/CSA_VaibhavPatil_030922.pptx
@@ -5535,8 +5535,8 @@
         </p:nvSpPr>
         <p:spPr>
           <a:xfrm>
-            <a:off x="1480651" y="1379621"/>
-            <a:ext cx="6163234" cy="479387"/>
+            <a:off x="2327940" y="1379621"/>
+            <a:ext cx="4232816" cy="479387"/>
           </a:xfrm>
           <a:prstGeom prst="rect">
             <a:avLst/>
@@ -5592,7 +5592,7 @@
         </p:nvSpPr>
         <p:spPr>
           <a:xfrm>
-            <a:off x="3240410" y="2463468"/>
+            <a:off x="4087699" y="2463468"/>
             <a:ext cx="2473057" cy="1498234"/>
           </a:xfrm>
           <a:prstGeom prst="rect">
@@ -5649,7 +5649,7 @@
         </p:nvSpPr>
         <p:spPr>
           <a:xfrm>
-            <a:off x="1480651" y="2780610"/>
+            <a:off x="2327940" y="2780610"/>
             <a:ext cx="1768679" cy="1200580"/>
           </a:xfrm>
           <a:prstGeom prst="rect">
@@ -5706,7 +5706,7 @@
         </p:nvSpPr>
         <p:spPr>
           <a:xfrm>
-            <a:off x="1489902" y="3969505"/>
+            <a:off x="2337191" y="3969505"/>
             <a:ext cx="4230580" cy="473033"/>
           </a:xfrm>
           <a:prstGeom prst="rect">
@@ -6502,7 +6502,7 @@
         </p:nvCxnSpPr>
         <p:spPr>
           <a:xfrm>
-            <a:off x="3249330" y="1378357"/>
+            <a:off x="4096619" y="1378357"/>
             <a:ext cx="0" cy="2587021"/>
           </a:xfrm>
           <a:prstGeom prst="line">
@@ -6548,7 +6548,7 @@
         </p:nvSpPr>
         <p:spPr>
           <a:xfrm>
-            <a:off x="1803689" y="1481640"/>
+            <a:off x="2650978" y="1481640"/>
             <a:ext cx="1119930" cy="307777"/>
           </a:xfrm>
           <a:prstGeom prst="rect">
@@ -6584,7 +6584,7 @@
         </p:nvSpPr>
         <p:spPr>
           <a:xfrm>
-            <a:off x="1803689" y="2073097"/>
+            <a:off x="2650978" y="2073097"/>
             <a:ext cx="1176754" cy="523220"/>
           </a:xfrm>
           <a:prstGeom prst="rect">
@@ -6624,7 +6624,7 @@
         </p:nvSpPr>
         <p:spPr>
           <a:xfrm>
-            <a:off x="1600500" y="2929787"/>
+            <a:off x="2447789" y="2929787"/>
             <a:ext cx="1506713" cy="523220"/>
           </a:xfrm>
           <a:prstGeom prst="rect">
@@ -6662,7 +6662,7 @@
         </p:nvCxnSpPr>
         <p:spPr>
           <a:xfrm>
-            <a:off x="5720482" y="1367496"/>
+            <a:off x="6567771" y="1367496"/>
             <a:ext cx="0" cy="2587021"/>
           </a:xfrm>
           <a:prstGeom prst="line">
@@ -6696,10 +6696,10 @@
       </p:cxnSp>
       <p:sp>
         <p:nvSpPr>
-          <p:cNvPr id="87" name="TextBox 86">
-            <a:extLst>
-              <a:ext uri="{FF2B5EF4-FFF2-40B4-BE49-F238E27FC236}">
-                <a16:creationId xmlns:a16="http://schemas.microsoft.com/office/drawing/2014/main" id="{ABE3D427-08E9-4995-B6D5-64D4B0208685}"/>
+          <p:cNvPr id="91" name="TextBox 90">
+            <a:extLst>
+              <a:ext uri="{FF2B5EF4-FFF2-40B4-BE49-F238E27FC236}">
+                <a16:creationId xmlns:a16="http://schemas.microsoft.com/office/drawing/2014/main" id="{BD594251-D977-4796-9DA7-7EC043B91AAF}"/>
               </a:ext>
             </a:extLst>
           </p:cNvPr>
@@ -6708,8 +6708,8 @@
         </p:nvSpPr>
         <p:spPr>
           <a:xfrm>
-            <a:off x="6000115" y="1505054"/>
-            <a:ext cx="1420359" cy="307777"/>
+            <a:off x="4630315" y="1472504"/>
+            <a:ext cx="1208069" cy="307777"/>
           </a:xfrm>
           <a:prstGeom prst="rect">
             <a:avLst/>
@@ -6732,10 +6732,10 @@
       </p:sp>
       <p:sp>
         <p:nvSpPr>
-          <p:cNvPr id="88" name="TextBox 87">
-            <a:extLst>
-              <a:ext uri="{FF2B5EF4-FFF2-40B4-BE49-F238E27FC236}">
-                <a16:creationId xmlns:a16="http://schemas.microsoft.com/office/drawing/2014/main" id="{B9E79C4D-3391-4E4B-91F6-982AB5C2033F}"/>
+          <p:cNvPr id="94" name="TextBox 93">
+            <a:extLst>
+              <a:ext uri="{FF2B5EF4-FFF2-40B4-BE49-F238E27FC236}">
+                <a16:creationId xmlns:a16="http://schemas.microsoft.com/office/drawing/2014/main" id="{F7A863CE-B18C-4A9D-9240-1D9B7D8EE209}"/>
               </a:ext>
             </a:extLst>
           </p:cNvPr>
@@ -6744,8 +6744,8 @@
         </p:nvSpPr>
         <p:spPr>
           <a:xfrm>
-            <a:off x="5976629" y="2042550"/>
-            <a:ext cx="1267448" cy="523220"/>
+            <a:off x="4153974" y="2036270"/>
+            <a:ext cx="2190387" cy="307777"/>
           </a:xfrm>
           <a:prstGeom prst="rect">
             <a:avLst/>
@@ -6761,18 +6761,21 @@
             <a:pPr algn="ctr"/>
             <a:r>
               <a:rPr lang="en-US" sz="1400" dirty="0"/>
-              <a:t>Forks Existing Repo</a:t>
-            </a:r>
-            <a:endParaRPr lang="en-US" sz="900" dirty="0"/>
-          </a:p>
-        </p:txBody>
-      </p:sp>
-      <p:sp>
-        <p:nvSpPr>
-          <p:cNvPr id="89" name="TextBox 88">
-            <a:extLst>
-              <a:ext uri="{FF2B5EF4-FFF2-40B4-BE49-F238E27FC236}">
-                <a16:creationId xmlns:a16="http://schemas.microsoft.com/office/drawing/2014/main" id="{4316DBDE-AEA3-42A0-8742-B983BF49290F}"/>
+              <a:t>Creates New Private Repo</a:t>
+            </a:r>
+            <a:r>
+              <a:rPr lang="en-US" sz="900" dirty="0"/>
+              <a:t>*</a:t>
+            </a:r>
+          </a:p>
+        </p:txBody>
+      </p:sp>
+      <p:sp>
+        <p:nvSpPr>
+          <p:cNvPr id="98" name="TextBox 97">
+            <a:extLst>
+              <a:ext uri="{FF2B5EF4-FFF2-40B4-BE49-F238E27FC236}">
+                <a16:creationId xmlns:a16="http://schemas.microsoft.com/office/drawing/2014/main" id="{CE615ECD-DB05-4807-8041-A707F7B43A35}"/>
               </a:ext>
             </a:extLst>
           </p:cNvPr>
@@ -6781,8 +6784,47 @@
         </p:nvSpPr>
         <p:spPr>
           <a:xfrm>
-            <a:off x="5937602" y="2872550"/>
-            <a:ext cx="1421012" cy="738664"/>
+            <a:off x="2428732" y="3465985"/>
+            <a:ext cx="1506711" cy="461665"/>
+          </a:xfrm>
+          <a:prstGeom prst="rect">
+            <a:avLst/>
+          </a:prstGeom>
+          <a:noFill/>
+        </p:spPr>
+        <p:txBody>
+          <a:bodyPr wrap="square">
+            <a:spAutoFit/>
+          </a:bodyPr>
+          <a:lstStyle/>
+          <a:p>
+            <a:pPr marL="285750" indent="-285750">
+              <a:buFont typeface="Wingdings" panose="05000000000000000000" pitchFamily="2" charset="2"/>
+              <a:buChar char="q"/>
+            </a:pPr>
+            <a:r>
+              <a:rPr lang="en-US" sz="1200" dirty="0"/>
+              <a:t>Adds Branch Protection Rules</a:t>
+            </a:r>
+          </a:p>
+        </p:txBody>
+      </p:sp>
+      <p:sp>
+        <p:nvSpPr>
+          <p:cNvPr id="99" name="TextBox 98">
+            <a:extLst>
+              <a:ext uri="{FF2B5EF4-FFF2-40B4-BE49-F238E27FC236}">
+                <a16:creationId xmlns:a16="http://schemas.microsoft.com/office/drawing/2014/main" id="{5D30AF39-983C-4202-823D-2CA040EF74E0}"/>
+              </a:ext>
+            </a:extLst>
+          </p:cNvPr>
+          <p:cNvSpPr txBox="1"/>
+          <p:nvPr/>
+        </p:nvSpPr>
+        <p:spPr>
+          <a:xfrm>
+            <a:off x="4331037" y="2596317"/>
+            <a:ext cx="1995300" cy="307777"/>
           </a:xfrm>
           <a:prstGeom prst="rect">
             <a:avLst/>
@@ -6798,18 +6840,105 @@
             <a:pPr algn="ctr"/>
             <a:r>
               <a:rPr lang="en-US" sz="1400" dirty="0"/>
-              <a:t>Branch Protection Rules Inherited </a:t>
-            </a:r>
-            <a:endParaRPr lang="en-US" sz="900" dirty="0"/>
+              <a:t>Auto Branch Protect Tool </a:t>
+            </a:r>
+          </a:p>
+        </p:txBody>
+      </p:sp>
+      <p:sp>
+        <p:nvSpPr>
+          <p:cNvPr id="100" name="TextBox 99">
+            <a:extLst>
+              <a:ext uri="{FF2B5EF4-FFF2-40B4-BE49-F238E27FC236}">
+                <a16:creationId xmlns:a16="http://schemas.microsoft.com/office/drawing/2014/main" id="{7705B110-BB9E-4172-A97B-EAA49867589D}"/>
+              </a:ext>
+            </a:extLst>
+          </p:cNvPr>
+          <p:cNvSpPr txBox="1"/>
+          <p:nvPr/>
+        </p:nvSpPr>
+        <p:spPr>
+          <a:xfrm>
+            <a:off x="4150769" y="2951477"/>
+            <a:ext cx="2402973" cy="1015663"/>
+          </a:xfrm>
+          <a:prstGeom prst="rect">
+            <a:avLst/>
+          </a:prstGeom>
+          <a:noFill/>
+        </p:spPr>
+        <p:txBody>
+          <a:bodyPr wrap="square">
+            <a:spAutoFit/>
+          </a:bodyPr>
+          <a:lstStyle/>
+          <a:p>
+            <a:pPr marL="285750" indent="-285750">
+              <a:buFont typeface="Wingdings" panose="05000000000000000000" pitchFamily="2" charset="2"/>
+              <a:buChar char="q"/>
+            </a:pPr>
+            <a:r>
+              <a:rPr lang="en-US" sz="1200" dirty="0"/>
+              <a:t>Needs GitHub Pro to add branch protection rules</a:t>
+            </a:r>
+          </a:p>
+          <a:p>
+            <a:endParaRPr lang="en-US" sz="1200" dirty="0"/>
+          </a:p>
+          <a:p>
+            <a:pPr marL="285750" indent="-285750">
+              <a:buFont typeface="Wingdings" panose="05000000000000000000" pitchFamily="2" charset="2"/>
+              <a:buChar char="q"/>
+            </a:pPr>
+            <a:r>
+              <a:rPr lang="en-US" sz="1200" dirty="0"/>
+              <a:t>With Free Plan, protection added on visibility change</a:t>
+            </a:r>
+          </a:p>
+        </p:txBody>
+      </p:sp>
+      <p:sp>
+        <p:nvSpPr>
+          <p:cNvPr id="101" name="TextBox 100">
+            <a:extLst>
+              <a:ext uri="{FF2B5EF4-FFF2-40B4-BE49-F238E27FC236}">
+                <a16:creationId xmlns:a16="http://schemas.microsoft.com/office/drawing/2014/main" id="{BD052027-6D9B-42DE-83BB-419D6149FE94}"/>
+              </a:ext>
+            </a:extLst>
+          </p:cNvPr>
+          <p:cNvSpPr txBox="1"/>
+          <p:nvPr/>
+        </p:nvSpPr>
+        <p:spPr>
+          <a:xfrm>
+            <a:off x="2302883" y="4029444"/>
+            <a:ext cx="4257873" cy="307777"/>
+          </a:xfrm>
+          <a:prstGeom prst="rect">
+            <a:avLst/>
+          </a:prstGeom>
+          <a:noFill/>
+        </p:spPr>
+        <p:txBody>
+          <a:bodyPr wrap="square">
+            <a:spAutoFit/>
+          </a:bodyPr>
+          <a:lstStyle/>
+          <a:p>
+            <a:pPr algn="ctr"/>
+            <a:r>
+              <a:rPr lang="en-US" sz="1400" dirty="0"/>
+              <a:t>Auto Protect Tool Creates Issue to notify Security Team </a:t>
+            </a:r>
           </a:p>
         </p:txBody>
       </p:sp>
       <p:cxnSp>
         <p:nvCxnSpPr>
-          <p:cNvPr id="90" name="Straight Connector 89">
-            <a:extLst>
-              <a:ext uri="{FF2B5EF4-FFF2-40B4-BE49-F238E27FC236}">
-                <a16:creationId xmlns:a16="http://schemas.microsoft.com/office/drawing/2014/main" id="{ECC9EA90-391E-4E53-AC43-68C20F8A47CC}"/>
+          <p:cNvPr id="102" name="Straight Connector 101">
+            <a:extLst>
+              <a:ext uri="{FF2B5EF4-FFF2-40B4-BE49-F238E27FC236}">
+                <a16:creationId xmlns:a16="http://schemas.microsoft.com/office/drawing/2014/main" id="{8E319CDF-EDEC-489E-90BD-A2F2B2E7DC91}"/>
               </a:ext>
             </a:extLst>
           </p:cNvPr>
@@ -6820,8 +6949,8 @@
         </p:nvCxnSpPr>
         <p:spPr>
           <a:xfrm>
-            <a:off x="7643885" y="1370162"/>
-            <a:ext cx="7015" cy="3089392"/>
+            <a:off x="2327940" y="1379621"/>
+            <a:ext cx="0" cy="2585757"/>
           </a:xfrm>
           <a:prstGeom prst="line">
             <a:avLst/>
@@ -6852,251 +6981,12 @@
           </a:fontRef>
         </p:style>
       </p:cxnSp>
-      <p:sp>
-        <p:nvSpPr>
-          <p:cNvPr id="91" name="TextBox 90">
-            <a:extLst>
-              <a:ext uri="{FF2B5EF4-FFF2-40B4-BE49-F238E27FC236}">
-                <a16:creationId xmlns:a16="http://schemas.microsoft.com/office/drawing/2014/main" id="{BD594251-D977-4796-9DA7-7EC043B91AAF}"/>
-              </a:ext>
-            </a:extLst>
-          </p:cNvPr>
-          <p:cNvSpPr txBox="1"/>
-          <p:nvPr/>
-        </p:nvSpPr>
-        <p:spPr>
-          <a:xfrm>
-            <a:off x="3783026" y="1472504"/>
-            <a:ext cx="1208069" cy="307777"/>
-          </a:xfrm>
-          <a:prstGeom prst="rect">
-            <a:avLst/>
-          </a:prstGeom>
-          <a:noFill/>
-        </p:spPr>
-        <p:txBody>
-          <a:bodyPr wrap="square" rtlCol="0">
-            <a:spAutoFit/>
-          </a:bodyPr>
-          <a:lstStyle/>
-          <a:p>
-            <a:pPr algn="ctr"/>
-            <a:r>
-              <a:rPr lang="en-US" sz="1400" dirty="0"/>
-              <a:t>Anyone</a:t>
-            </a:r>
-          </a:p>
-        </p:txBody>
-      </p:sp>
-      <p:sp>
-        <p:nvSpPr>
-          <p:cNvPr id="94" name="TextBox 93">
-            <a:extLst>
-              <a:ext uri="{FF2B5EF4-FFF2-40B4-BE49-F238E27FC236}">
-                <a16:creationId xmlns:a16="http://schemas.microsoft.com/office/drawing/2014/main" id="{F7A863CE-B18C-4A9D-9240-1D9B7D8EE209}"/>
-              </a:ext>
-            </a:extLst>
-          </p:cNvPr>
-          <p:cNvSpPr txBox="1"/>
-          <p:nvPr/>
-        </p:nvSpPr>
-        <p:spPr>
-          <a:xfrm>
-            <a:off x="3306685" y="2036270"/>
-            <a:ext cx="2190387" cy="307777"/>
-          </a:xfrm>
-          <a:prstGeom prst="rect">
-            <a:avLst/>
-          </a:prstGeom>
-          <a:noFill/>
-        </p:spPr>
-        <p:txBody>
-          <a:bodyPr wrap="square" rtlCol="0">
-            <a:spAutoFit/>
-          </a:bodyPr>
-          <a:lstStyle/>
-          <a:p>
-            <a:pPr algn="ctr"/>
-            <a:r>
-              <a:rPr lang="en-US" sz="1400" dirty="0"/>
-              <a:t>Creates New Private Repo</a:t>
-            </a:r>
-            <a:r>
-              <a:rPr lang="en-US" sz="900" dirty="0"/>
-              <a:t>*</a:t>
-            </a:r>
-          </a:p>
-        </p:txBody>
-      </p:sp>
-      <p:sp>
-        <p:nvSpPr>
-          <p:cNvPr id="98" name="TextBox 97">
-            <a:extLst>
-              <a:ext uri="{FF2B5EF4-FFF2-40B4-BE49-F238E27FC236}">
-                <a16:creationId xmlns:a16="http://schemas.microsoft.com/office/drawing/2014/main" id="{CE615ECD-DB05-4807-8041-A707F7B43A35}"/>
-              </a:ext>
-            </a:extLst>
-          </p:cNvPr>
-          <p:cNvSpPr txBox="1"/>
-          <p:nvPr/>
-        </p:nvSpPr>
-        <p:spPr>
-          <a:xfrm>
-            <a:off x="1581443" y="3465985"/>
-            <a:ext cx="1506711" cy="461665"/>
-          </a:xfrm>
-          <a:prstGeom prst="rect">
-            <a:avLst/>
-          </a:prstGeom>
-          <a:noFill/>
-        </p:spPr>
-        <p:txBody>
-          <a:bodyPr wrap="square">
-            <a:spAutoFit/>
-          </a:bodyPr>
-          <a:lstStyle/>
-          <a:p>
-            <a:pPr marL="285750" indent="-285750">
-              <a:buFont typeface="Wingdings" panose="05000000000000000000" pitchFamily="2" charset="2"/>
-              <a:buChar char="q"/>
-            </a:pPr>
-            <a:r>
-              <a:rPr lang="en-US" sz="1200" dirty="0"/>
-              <a:t>Adds Branch Protection Rules</a:t>
-            </a:r>
-          </a:p>
-        </p:txBody>
-      </p:sp>
-      <p:sp>
-        <p:nvSpPr>
-          <p:cNvPr id="99" name="TextBox 98">
-            <a:extLst>
-              <a:ext uri="{FF2B5EF4-FFF2-40B4-BE49-F238E27FC236}">
-                <a16:creationId xmlns:a16="http://schemas.microsoft.com/office/drawing/2014/main" id="{5D30AF39-983C-4202-823D-2CA040EF74E0}"/>
-              </a:ext>
-            </a:extLst>
-          </p:cNvPr>
-          <p:cNvSpPr txBox="1"/>
-          <p:nvPr/>
-        </p:nvSpPr>
-        <p:spPr>
-          <a:xfrm>
-            <a:off x="3483748" y="2596317"/>
-            <a:ext cx="1995300" cy="307777"/>
-          </a:xfrm>
-          <a:prstGeom prst="rect">
-            <a:avLst/>
-          </a:prstGeom>
-          <a:noFill/>
-        </p:spPr>
-        <p:txBody>
-          <a:bodyPr wrap="square" rtlCol="0">
-            <a:spAutoFit/>
-          </a:bodyPr>
-          <a:lstStyle/>
-          <a:p>
-            <a:pPr algn="ctr"/>
-            <a:r>
-              <a:rPr lang="en-US" sz="1400" dirty="0"/>
-              <a:t>Auto Branch Protect Tool </a:t>
-            </a:r>
-          </a:p>
-        </p:txBody>
-      </p:sp>
-      <p:sp>
-        <p:nvSpPr>
-          <p:cNvPr id="100" name="TextBox 99">
-            <a:extLst>
-              <a:ext uri="{FF2B5EF4-FFF2-40B4-BE49-F238E27FC236}">
-                <a16:creationId xmlns:a16="http://schemas.microsoft.com/office/drawing/2014/main" id="{7705B110-BB9E-4172-A97B-EAA49867589D}"/>
-              </a:ext>
-            </a:extLst>
-          </p:cNvPr>
-          <p:cNvSpPr txBox="1"/>
-          <p:nvPr/>
-        </p:nvSpPr>
-        <p:spPr>
-          <a:xfrm>
-            <a:off x="3303480" y="2951477"/>
-            <a:ext cx="2402973" cy="1015663"/>
-          </a:xfrm>
-          <a:prstGeom prst="rect">
-            <a:avLst/>
-          </a:prstGeom>
-          <a:noFill/>
-        </p:spPr>
-        <p:txBody>
-          <a:bodyPr wrap="square">
-            <a:spAutoFit/>
-          </a:bodyPr>
-          <a:lstStyle/>
-          <a:p>
-            <a:pPr marL="285750" indent="-285750">
-              <a:buFont typeface="Wingdings" panose="05000000000000000000" pitchFamily="2" charset="2"/>
-              <a:buChar char="q"/>
-            </a:pPr>
-            <a:r>
-              <a:rPr lang="en-US" sz="1200" dirty="0"/>
-              <a:t>Needs GitHub Pro to add branch protection rules</a:t>
-            </a:r>
-          </a:p>
-          <a:p>
-            <a:endParaRPr lang="en-US" sz="1200" dirty="0"/>
-          </a:p>
-          <a:p>
-            <a:pPr marL="285750" indent="-285750">
-              <a:buFont typeface="Wingdings" panose="05000000000000000000" pitchFamily="2" charset="2"/>
-              <a:buChar char="q"/>
-            </a:pPr>
-            <a:r>
-              <a:rPr lang="en-US" sz="1200" dirty="0"/>
-              <a:t>With Free Plan, protection added on visibility change</a:t>
-            </a:r>
-          </a:p>
-        </p:txBody>
-      </p:sp>
-      <p:sp>
-        <p:nvSpPr>
-          <p:cNvPr id="101" name="TextBox 100">
-            <a:extLst>
-              <a:ext uri="{FF2B5EF4-FFF2-40B4-BE49-F238E27FC236}">
-                <a16:creationId xmlns:a16="http://schemas.microsoft.com/office/drawing/2014/main" id="{BD052027-6D9B-42DE-83BB-419D6149FE94}"/>
-              </a:ext>
-            </a:extLst>
-          </p:cNvPr>
-          <p:cNvSpPr txBox="1"/>
-          <p:nvPr/>
-        </p:nvSpPr>
-        <p:spPr>
-          <a:xfrm>
-            <a:off x="1455594" y="4029444"/>
-            <a:ext cx="4257873" cy="307777"/>
-          </a:xfrm>
-          <a:prstGeom prst="rect">
-            <a:avLst/>
-          </a:prstGeom>
-          <a:noFill/>
-        </p:spPr>
-        <p:txBody>
-          <a:bodyPr wrap="square">
-            <a:spAutoFit/>
-          </a:bodyPr>
-          <a:lstStyle/>
-          <a:p>
-            <a:pPr algn="ctr"/>
-            <a:r>
-              <a:rPr lang="en-US" sz="1400" dirty="0"/>
-              <a:t>Auto Protect Tool Creates Issue to notify Security Team </a:t>
-            </a:r>
-          </a:p>
-        </p:txBody>
-      </p:sp>
       <p:cxnSp>
         <p:nvCxnSpPr>
-          <p:cNvPr id="102" name="Straight Connector 101">
-            <a:extLst>
-              <a:ext uri="{FF2B5EF4-FFF2-40B4-BE49-F238E27FC236}">
-                <a16:creationId xmlns:a16="http://schemas.microsoft.com/office/drawing/2014/main" id="{8E319CDF-EDEC-489E-90BD-A2F2B2E7DC91}"/>
+          <p:cNvPr id="103" name="Straight Connector 102">
+            <a:extLst>
+              <a:ext uri="{FF2B5EF4-FFF2-40B4-BE49-F238E27FC236}">
+                <a16:creationId xmlns:a16="http://schemas.microsoft.com/office/drawing/2014/main" id="{AC77F83D-73D0-4876-9BBE-74CCDF8CC866}"/>
               </a:ext>
             </a:extLst>
           </p:cNvPr>
@@ -7106,9 +6996,9 @@
           <p:nvPr/>
         </p:nvCxnSpPr>
         <p:spPr>
-          <a:xfrm>
-            <a:off x="1480651" y="1379621"/>
-            <a:ext cx="0" cy="2585757"/>
+          <a:xfrm flipV="1">
+            <a:off x="2327940" y="3961702"/>
+            <a:ext cx="4239831" cy="14680"/>
           </a:xfrm>
           <a:prstGeom prst="line">
             <a:avLst/>
@@ -7139,12 +7029,48 @@
           </a:fontRef>
         </p:style>
       </p:cxnSp>
+      <p:sp>
+        <p:nvSpPr>
+          <p:cNvPr id="104" name="TextBox 103">
+            <a:extLst>
+              <a:ext uri="{FF2B5EF4-FFF2-40B4-BE49-F238E27FC236}">
+                <a16:creationId xmlns:a16="http://schemas.microsoft.com/office/drawing/2014/main" id="{8B32A466-15E2-413C-B3F6-B6BBED6AED58}"/>
+              </a:ext>
+            </a:extLst>
+          </p:cNvPr>
+          <p:cNvSpPr txBox="1"/>
+          <p:nvPr/>
+        </p:nvSpPr>
+        <p:spPr>
+          <a:xfrm flipH="1">
+            <a:off x="6761202" y="126806"/>
+            <a:ext cx="2216543" cy="553998"/>
+          </a:xfrm>
+          <a:prstGeom prst="rect">
+            <a:avLst/>
+          </a:prstGeom>
+          <a:noFill/>
+        </p:spPr>
+        <p:txBody>
+          <a:bodyPr wrap="square" rtlCol="0">
+            <a:spAutoFit/>
+          </a:bodyPr>
+          <a:lstStyle/>
+          <a:p>
+            <a:pPr algn="just"/>
+            <a:r>
+              <a:rPr lang="en-US" sz="1000" dirty="0"/>
+              <a:t>* - First branch is created after a commit is made. Hence a README file must be included with each new repo</a:t>
+            </a:r>
+          </a:p>
+        </p:txBody>
+      </p:sp>
       <p:cxnSp>
         <p:nvCxnSpPr>
-          <p:cNvPr id="103" name="Straight Connector 102">
-            <a:extLst>
-              <a:ext uri="{FF2B5EF4-FFF2-40B4-BE49-F238E27FC236}">
-                <a16:creationId xmlns:a16="http://schemas.microsoft.com/office/drawing/2014/main" id="{AC77F83D-73D0-4876-9BBE-74CCDF8CC866}"/>
+          <p:cNvPr id="105" name="Straight Connector 104">
+            <a:extLst>
+              <a:ext uri="{FF2B5EF4-FFF2-40B4-BE49-F238E27FC236}">
+                <a16:creationId xmlns:a16="http://schemas.microsoft.com/office/drawing/2014/main" id="{88F7013D-A0B6-44E6-B972-8F0241449CBC}"/>
               </a:ext>
             </a:extLst>
           </p:cNvPr>
@@ -7154,9 +7080,9 @@
           <p:nvPr/>
         </p:nvCxnSpPr>
         <p:spPr>
-          <a:xfrm flipV="1">
-            <a:off x="1480651" y="3961702"/>
-            <a:ext cx="4239831" cy="14680"/>
+          <a:xfrm>
+            <a:off x="2327940" y="3996711"/>
+            <a:ext cx="0" cy="460178"/>
           </a:xfrm>
           <a:prstGeom prst="line">
             <a:avLst/>
@@ -7187,48 +7113,12 @@
           </a:fontRef>
         </p:style>
       </p:cxnSp>
-      <p:sp>
-        <p:nvSpPr>
-          <p:cNvPr id="104" name="TextBox 103">
-            <a:extLst>
-              <a:ext uri="{FF2B5EF4-FFF2-40B4-BE49-F238E27FC236}">
-                <a16:creationId xmlns:a16="http://schemas.microsoft.com/office/drawing/2014/main" id="{8B32A466-15E2-413C-B3F6-B6BBED6AED58}"/>
-              </a:ext>
-            </a:extLst>
-          </p:cNvPr>
-          <p:cNvSpPr txBox="1"/>
-          <p:nvPr/>
-        </p:nvSpPr>
-        <p:spPr>
-          <a:xfrm flipH="1">
-            <a:off x="6761202" y="126806"/>
-            <a:ext cx="2216543" cy="553998"/>
-          </a:xfrm>
-          <a:prstGeom prst="rect">
-            <a:avLst/>
-          </a:prstGeom>
-          <a:noFill/>
-        </p:spPr>
-        <p:txBody>
-          <a:bodyPr wrap="square" rtlCol="0">
-            <a:spAutoFit/>
-          </a:bodyPr>
-          <a:lstStyle/>
-          <a:p>
-            <a:pPr algn="just"/>
-            <a:r>
-              <a:rPr lang="en-US" sz="1000" dirty="0"/>
-              <a:t>* - First branch is created after a commit is made. Hence a README file must be included with each new repo</a:t>
-            </a:r>
-          </a:p>
-        </p:txBody>
-      </p:sp>
       <p:cxnSp>
         <p:nvCxnSpPr>
-          <p:cNvPr id="105" name="Straight Connector 104">
-            <a:extLst>
-              <a:ext uri="{FF2B5EF4-FFF2-40B4-BE49-F238E27FC236}">
-                <a16:creationId xmlns:a16="http://schemas.microsoft.com/office/drawing/2014/main" id="{88F7013D-A0B6-44E6-B972-8F0241449CBC}"/>
+          <p:cNvPr id="107" name="Straight Connector 106">
+            <a:extLst>
+              <a:ext uri="{FF2B5EF4-FFF2-40B4-BE49-F238E27FC236}">
+                <a16:creationId xmlns:a16="http://schemas.microsoft.com/office/drawing/2014/main" id="{470AC892-CB9D-4CAA-991E-FBC593B2F4D1}"/>
               </a:ext>
             </a:extLst>
           </p:cNvPr>
@@ -7239,7 +7129,7 @@
         </p:nvCxnSpPr>
         <p:spPr>
           <a:xfrm>
-            <a:off x="1480651" y="3996711"/>
+            <a:off x="6567771" y="3975077"/>
             <a:ext cx="0" cy="460178"/>
           </a:xfrm>
           <a:prstGeom prst="line">
@@ -7273,54 +7163,6 @@
       </p:cxnSp>
       <p:cxnSp>
         <p:nvCxnSpPr>
-          <p:cNvPr id="107" name="Straight Connector 106">
-            <a:extLst>
-              <a:ext uri="{FF2B5EF4-FFF2-40B4-BE49-F238E27FC236}">
-                <a16:creationId xmlns:a16="http://schemas.microsoft.com/office/drawing/2014/main" id="{470AC892-CB9D-4CAA-991E-FBC593B2F4D1}"/>
-              </a:ext>
-            </a:extLst>
-          </p:cNvPr>
-          <p:cNvCxnSpPr>
-            <a:cxnSpLocks/>
-          </p:cNvCxnSpPr>
-          <p:nvPr/>
-        </p:nvCxnSpPr>
-        <p:spPr>
-          <a:xfrm>
-            <a:off x="5720482" y="3975077"/>
-            <a:ext cx="0" cy="460178"/>
-          </a:xfrm>
-          <a:prstGeom prst="line">
-            <a:avLst/>
-          </a:prstGeom>
-          <a:ln w="19050">
-            <a:solidFill>
-              <a:schemeClr val="bg1">
-                <a:lumMod val="85000"/>
-              </a:schemeClr>
-            </a:solidFill>
-            <a:headEnd type="none" w="med" len="med"/>
-            <a:tailEnd type="none" w="med" len="med"/>
-          </a:ln>
-          <a:effectLst/>
-        </p:spPr>
-        <p:style>
-          <a:lnRef idx="2">
-            <a:schemeClr val="accent1"/>
-          </a:lnRef>
-          <a:fillRef idx="0">
-            <a:schemeClr val="accent1"/>
-          </a:fillRef>
-          <a:effectRef idx="1">
-            <a:schemeClr val="accent1"/>
-          </a:effectRef>
-          <a:fontRef idx="minor">
-            <a:schemeClr val="tx1"/>
-          </a:fontRef>
-        </p:style>
-      </p:cxnSp>
-      <p:cxnSp>
-        <p:nvCxnSpPr>
           <p:cNvPr id="118" name="Straight Arrow Connector 117">
             <a:extLst>
               <a:ext uri="{FF2B5EF4-FFF2-40B4-BE49-F238E27FC236}">
@@ -7777,7 +7619,7 @@
         </p:nvCxnSpPr>
         <p:spPr>
           <a:xfrm>
-            <a:off x="2382748" y="1777369"/>
+            <a:off x="3230037" y="1777369"/>
             <a:ext cx="7699" cy="280061"/>
           </a:xfrm>
           <a:prstGeom prst="straightConnector1">
@@ -7823,99 +7665,7 @@
         </p:nvCxnSpPr>
         <p:spPr>
           <a:xfrm>
-            <a:off x="2361141" y="2632131"/>
-            <a:ext cx="7699" cy="280061"/>
-          </a:xfrm>
-          <a:prstGeom prst="straightConnector1">
-            <a:avLst/>
-          </a:prstGeom>
-          <a:ln w="19050">
-            <a:solidFill>
-              <a:schemeClr val="tx1"/>
-            </a:solidFill>
-            <a:headEnd type="none" w="med" len="med"/>
-            <a:tailEnd type="triangle"/>
-          </a:ln>
-          <a:effectLst/>
-        </p:spPr>
-        <p:style>
-          <a:lnRef idx="2">
-            <a:schemeClr val="accent1"/>
-          </a:lnRef>
-          <a:fillRef idx="0">
-            <a:schemeClr val="accent1"/>
-          </a:fillRef>
-          <a:effectRef idx="1">
-            <a:schemeClr val="accent1"/>
-          </a:effectRef>
-          <a:fontRef idx="minor">
-            <a:schemeClr val="tx1"/>
-          </a:fontRef>
-        </p:style>
-      </p:cxnSp>
-      <p:cxnSp>
-        <p:nvCxnSpPr>
-          <p:cNvPr id="132" name="Straight Arrow Connector 131">
-            <a:extLst>
-              <a:ext uri="{FF2B5EF4-FFF2-40B4-BE49-F238E27FC236}">
-                <a16:creationId xmlns:a16="http://schemas.microsoft.com/office/drawing/2014/main" id="{9E7B447E-7BA3-4604-8637-99F1729095B5}"/>
-              </a:ext>
-            </a:extLst>
-          </p:cNvPr>
-          <p:cNvCxnSpPr>
-            <a:cxnSpLocks/>
-          </p:cNvCxnSpPr>
-          <p:nvPr/>
-        </p:nvCxnSpPr>
-        <p:spPr>
-          <a:xfrm>
-            <a:off x="6634881" y="1756083"/>
-            <a:ext cx="7699" cy="280061"/>
-          </a:xfrm>
-          <a:prstGeom prst="straightConnector1">
-            <a:avLst/>
-          </a:prstGeom>
-          <a:ln w="19050">
-            <a:solidFill>
-              <a:schemeClr val="tx1"/>
-            </a:solidFill>
-            <a:headEnd type="none" w="med" len="med"/>
-            <a:tailEnd type="triangle"/>
-          </a:ln>
-          <a:effectLst/>
-        </p:spPr>
-        <p:style>
-          <a:lnRef idx="2">
-            <a:schemeClr val="accent1"/>
-          </a:lnRef>
-          <a:fillRef idx="0">
-            <a:schemeClr val="accent1"/>
-          </a:fillRef>
-          <a:effectRef idx="1">
-            <a:schemeClr val="accent1"/>
-          </a:effectRef>
-          <a:fontRef idx="minor">
-            <a:schemeClr val="tx1"/>
-          </a:fontRef>
-        </p:style>
-      </p:cxnSp>
-      <p:cxnSp>
-        <p:nvCxnSpPr>
-          <p:cNvPr id="133" name="Straight Arrow Connector 132">
-            <a:extLst>
-              <a:ext uri="{FF2B5EF4-FFF2-40B4-BE49-F238E27FC236}">
-                <a16:creationId xmlns:a16="http://schemas.microsoft.com/office/drawing/2014/main" id="{A249D52F-64BE-4C1E-AC8F-9BD923504FBD}"/>
-              </a:ext>
-            </a:extLst>
-          </p:cNvPr>
-          <p:cNvCxnSpPr>
-            <a:cxnSpLocks/>
-          </p:cNvCxnSpPr>
-          <p:nvPr/>
-        </p:nvCxnSpPr>
-        <p:spPr>
-          <a:xfrm>
-            <a:off x="6627004" y="2568519"/>
+            <a:off x="3208430" y="2632131"/>
             <a:ext cx="7699" cy="280061"/>
           </a:xfrm>
           <a:prstGeom prst="straightConnector1">
@@ -7961,7 +7711,7 @@
         </p:nvCxnSpPr>
         <p:spPr>
           <a:xfrm>
-            <a:off x="4418014" y="1747973"/>
+            <a:off x="5265303" y="1747973"/>
             <a:ext cx="7699" cy="280061"/>
           </a:xfrm>
           <a:prstGeom prst="straightConnector1">
@@ -8007,7 +7757,7 @@
         </p:nvCxnSpPr>
         <p:spPr>
           <a:xfrm>
-            <a:off x="4408389" y="2307304"/>
+            <a:off x="5255678" y="2307304"/>
             <a:ext cx="7699" cy="280061"/>
           </a:xfrm>
           <a:prstGeom prst="straightConnector1">

--- a/presentation/CSA_VaibhavPatil_030922.pptx
+++ b/presentation/CSA_VaibhavPatil_030922.pptx
@@ -3249,8 +3249,13 @@
             </a:r>
             <a:r>
               <a:rPr lang="en-US" dirty="0"/>
-              <a:t>Automated Branch Protect tool by Zack Koppert is an excellent starting point for this scenario. </a:t>
-            </a:r>
+              <a:t>Automated Branch Protect tool by Zack Koppert is an excellent starting point for this scenario. (</a:t>
+            </a:r>
+            <a:r>
+              <a:rPr lang="en-US" sz="1800" dirty="0"/>
+              <a:t>https://github.com/zkoppert/Auto-branch-protect)</a:t>
+            </a:r>
+            <a:endParaRPr lang="en-US" dirty="0"/>
           </a:p>
           <a:p>
             <a:pPr marL="285750" indent="-285750">
@@ -3265,8 +3270,21 @@
               <a:buChar char="•"/>
             </a:pPr>
             <a:r>
-              <a:rPr lang="en-US" sz="1800" dirty="0"/>
-              <a:t>https://github.com/zkoppert/Auto-branch-protect</a:t>
+              <a:rPr lang="en-US"/>
+              <a:t>Proposed Solution </a:t>
+            </a:r>
+            <a:r>
+              <a:rPr lang="en-US">
+                <a:sym typeface="Wingdings" panose="05000000000000000000" pitchFamily="2" charset="2"/>
+              </a:rPr>
+              <a:t> </a:t>
+            </a:r>
+            <a:r>
+              <a:rPr lang="en-US" sz="1800">
+                <a:sym typeface="Wingdings" panose="05000000000000000000" pitchFamily="2" charset="2"/>
+                <a:hlinkClick r:id="rId3"/>
+              </a:rPr>
+              <a:t>https://github.com/learnazcloud/Auto-branch-protect</a:t>
             </a:r>
             <a:endParaRPr lang="en-US" dirty="0"/>
           </a:p>
